--- a/Bar_GPT/poster.pptx
+++ b/Bar_GPT/poster.pptx
@@ -4,6 +4,9 @@
   <p:sldMasterIdLst>
     <p:sldMasterId id="2147483648" r:id="rId1"/>
   </p:sldMasterIdLst>
+  <p:notesMasterIdLst>
+    <p:notesMasterId r:id="rId3"/>
+  </p:notesMasterIdLst>
   <p:sldIdLst>
     <p:sldId id="258" r:id="rId2"/>
   </p:sldIdLst>
@@ -126,6 +129,440 @@
     </p:ext>
   </p:extLst>
 </p:presentation>
+</file>
+
+<file path=ppt/notesMasters/notesMaster1.xml><?xml version="1.0" encoding="utf-8"?>
+<p:notesMaster xmlns:a="http://schemas.openxmlformats.org/drawingml/2006/main" xmlns:r="http://schemas.openxmlformats.org/officeDocument/2006/relationships" xmlns:p="http://schemas.openxmlformats.org/presentationml/2006/main">
+  <p:cSld>
+    <p:bg>
+      <p:bgRef idx="1001">
+        <a:schemeClr val="bg1"/>
+      </p:bgRef>
+    </p:bg>
+    <p:spTree>
+      <p:nvGrpSpPr>
+        <p:cNvPr id="1" name=""/>
+        <p:cNvGrpSpPr/>
+        <p:nvPr/>
+      </p:nvGrpSpPr>
+      <p:grpSpPr>
+        <a:xfrm>
+          <a:off x="0" y="0"/>
+          <a:ext cx="0" cy="0"/>
+          <a:chOff x="0" y="0"/>
+          <a:chExt cx="0" cy="0"/>
+        </a:xfrm>
+      </p:grpSpPr>
+      <p:sp>
+        <p:nvSpPr>
+          <p:cNvPr id="2" name="Header Placeholder 1"/>
+          <p:cNvSpPr>
+            <a:spLocks noGrp="1"/>
+          </p:cNvSpPr>
+          <p:nvPr>
+            <p:ph type="hdr" sz="quarter"/>
+          </p:nvPr>
+        </p:nvSpPr>
+        <p:spPr>
+          <a:xfrm>
+            <a:off x="0" y="0"/>
+            <a:ext cx="3076575" cy="512763"/>
+          </a:xfrm>
+          <a:prstGeom prst="rect">
+            <a:avLst/>
+          </a:prstGeom>
+        </p:spPr>
+        <p:txBody>
+          <a:bodyPr vert="horz" lIns="91440" tIns="45720" rIns="91440" bIns="45720" rtlCol="0"/>
+          <a:lstStyle>
+            <a:lvl1pPr algn="l">
+              <a:defRPr sz="1200"/>
+            </a:lvl1pPr>
+          </a:lstStyle>
+          <a:p>
+            <a:endParaRPr lang="en-US"/>
+          </a:p>
+        </p:txBody>
+      </p:sp>
+      <p:sp>
+        <p:nvSpPr>
+          <p:cNvPr id="3" name="Date Placeholder 2"/>
+          <p:cNvSpPr>
+            <a:spLocks noGrp="1"/>
+          </p:cNvSpPr>
+          <p:nvPr>
+            <p:ph type="dt" idx="1"/>
+          </p:nvPr>
+        </p:nvSpPr>
+        <p:spPr>
+          <a:xfrm>
+            <a:off x="4021138" y="0"/>
+            <a:ext cx="3076575" cy="512763"/>
+          </a:xfrm>
+          <a:prstGeom prst="rect">
+            <a:avLst/>
+          </a:prstGeom>
+        </p:spPr>
+        <p:txBody>
+          <a:bodyPr vert="horz" lIns="91440" tIns="45720" rIns="91440" bIns="45720" rtlCol="0"/>
+          <a:lstStyle>
+            <a:lvl1pPr algn="r">
+              <a:defRPr sz="1200"/>
+            </a:lvl1pPr>
+          </a:lstStyle>
+          <a:p>
+            <a:fld id="{5A72C2B9-F223-D740-BE68-ED5F656D5CCD}" type="datetimeFigureOut">
+              <a:rPr lang="en-US" smtClean="0"/>
+              <a:t>7/26/23</a:t>
+            </a:fld>
+            <a:endParaRPr lang="en-US"/>
+          </a:p>
+        </p:txBody>
+      </p:sp>
+      <p:sp>
+        <p:nvSpPr>
+          <p:cNvPr id="4" name="Slide Image Placeholder 3"/>
+          <p:cNvSpPr>
+            <a:spLocks noGrp="1" noRot="1" noChangeAspect="1"/>
+          </p:cNvSpPr>
+          <p:nvPr>
+            <p:ph type="sldImg" idx="2"/>
+          </p:nvPr>
+        </p:nvSpPr>
+        <p:spPr>
+          <a:xfrm>
+            <a:off x="1108075" y="1279525"/>
+            <a:ext cx="4883150" cy="3454400"/>
+          </a:xfrm>
+          <a:prstGeom prst="rect">
+            <a:avLst/>
+          </a:prstGeom>
+          <a:noFill/>
+          <a:ln w="12700">
+            <a:solidFill>
+              <a:prstClr val="black"/>
+            </a:solidFill>
+          </a:ln>
+        </p:spPr>
+        <p:txBody>
+          <a:bodyPr vert="horz" lIns="91440" tIns="45720" rIns="91440" bIns="45720" rtlCol="0" anchor="ctr"/>
+          <a:lstStyle/>
+          <a:p>
+            <a:endParaRPr lang="en-US"/>
+          </a:p>
+        </p:txBody>
+      </p:sp>
+      <p:sp>
+        <p:nvSpPr>
+          <p:cNvPr id="5" name="Notes Placeholder 4"/>
+          <p:cNvSpPr>
+            <a:spLocks noGrp="1"/>
+          </p:cNvSpPr>
+          <p:nvPr>
+            <p:ph type="body" sz="quarter" idx="3"/>
+          </p:nvPr>
+        </p:nvSpPr>
+        <p:spPr>
+          <a:xfrm>
+            <a:off x="709613" y="4926013"/>
+            <a:ext cx="5680075" cy="4029075"/>
+          </a:xfrm>
+          <a:prstGeom prst="rect">
+            <a:avLst/>
+          </a:prstGeom>
+        </p:spPr>
+        <p:txBody>
+          <a:bodyPr vert="horz" lIns="91440" tIns="45720" rIns="91440" bIns="45720" rtlCol="0"/>
+          <a:lstStyle/>
+          <a:p>
+            <a:pPr lvl="0"/>
+            <a:r>
+              <a:rPr lang="en-GB"/>
+              <a:t>Click to edit Master text styles</a:t>
+            </a:r>
+          </a:p>
+          <a:p>
+            <a:pPr lvl="1"/>
+            <a:r>
+              <a:rPr lang="en-GB"/>
+              <a:t>Second level</a:t>
+            </a:r>
+          </a:p>
+          <a:p>
+            <a:pPr lvl="2"/>
+            <a:r>
+              <a:rPr lang="en-GB"/>
+              <a:t>Third level</a:t>
+            </a:r>
+          </a:p>
+          <a:p>
+            <a:pPr lvl="3"/>
+            <a:r>
+              <a:rPr lang="en-GB"/>
+              <a:t>Fourth level</a:t>
+            </a:r>
+          </a:p>
+          <a:p>
+            <a:pPr lvl="4"/>
+            <a:r>
+              <a:rPr lang="en-GB"/>
+              <a:t>Fifth level</a:t>
+            </a:r>
+            <a:endParaRPr lang="en-US"/>
+          </a:p>
+        </p:txBody>
+      </p:sp>
+      <p:sp>
+        <p:nvSpPr>
+          <p:cNvPr id="6" name="Footer Placeholder 5"/>
+          <p:cNvSpPr>
+            <a:spLocks noGrp="1"/>
+          </p:cNvSpPr>
+          <p:nvPr>
+            <p:ph type="ftr" sz="quarter" idx="4"/>
+          </p:nvPr>
+        </p:nvSpPr>
+        <p:spPr>
+          <a:xfrm>
+            <a:off x="0" y="9721850"/>
+            <a:ext cx="3076575" cy="512763"/>
+          </a:xfrm>
+          <a:prstGeom prst="rect">
+            <a:avLst/>
+          </a:prstGeom>
+        </p:spPr>
+        <p:txBody>
+          <a:bodyPr vert="horz" lIns="91440" tIns="45720" rIns="91440" bIns="45720" rtlCol="0" anchor="b"/>
+          <a:lstStyle>
+            <a:lvl1pPr algn="l">
+              <a:defRPr sz="1200"/>
+            </a:lvl1pPr>
+          </a:lstStyle>
+          <a:p>
+            <a:endParaRPr lang="en-US"/>
+          </a:p>
+        </p:txBody>
+      </p:sp>
+      <p:sp>
+        <p:nvSpPr>
+          <p:cNvPr id="7" name="Slide Number Placeholder 6"/>
+          <p:cNvSpPr>
+            <a:spLocks noGrp="1"/>
+          </p:cNvSpPr>
+          <p:nvPr>
+            <p:ph type="sldNum" sz="quarter" idx="5"/>
+          </p:nvPr>
+        </p:nvSpPr>
+        <p:spPr>
+          <a:xfrm>
+            <a:off x="4021138" y="9721850"/>
+            <a:ext cx="3076575" cy="512763"/>
+          </a:xfrm>
+          <a:prstGeom prst="rect">
+            <a:avLst/>
+          </a:prstGeom>
+        </p:spPr>
+        <p:txBody>
+          <a:bodyPr vert="horz" lIns="91440" tIns="45720" rIns="91440" bIns="45720" rtlCol="0" anchor="b"/>
+          <a:lstStyle>
+            <a:lvl1pPr algn="r">
+              <a:defRPr sz="1200"/>
+            </a:lvl1pPr>
+          </a:lstStyle>
+          <a:p>
+            <a:fld id="{5691433B-B784-9D4C-9C60-EBB49EC45309}" type="slidenum">
+              <a:rPr lang="en-US" smtClean="0"/>
+              <a:t>‹#›</a:t>
+            </a:fld>
+            <a:endParaRPr lang="en-US"/>
+          </a:p>
+        </p:txBody>
+      </p:sp>
+    </p:spTree>
+    <p:extLst>
+      <p:ext uri="{BB962C8B-B14F-4D97-AF65-F5344CB8AC3E}">
+        <p14:creationId xmlns:p14="http://schemas.microsoft.com/office/powerpoint/2010/main" val="2722665280"/>
+      </p:ext>
+    </p:extLst>
+  </p:cSld>
+  <p:clrMap bg1="lt1" tx1="dk1" bg2="lt2" tx2="dk2" accent1="accent1" accent2="accent2" accent3="accent3" accent4="accent4" accent5="accent5" accent6="accent6" hlink="hlink" folHlink="folHlink"/>
+  <p:notesStyle>
+    <a:lvl1pPr marL="0" algn="l" defTabSz="914400" rtl="0" eaLnBrk="1" latinLnBrk="0" hangingPunct="1">
+      <a:defRPr sz="1200" kern="1200">
+        <a:solidFill>
+          <a:schemeClr val="tx1"/>
+        </a:solidFill>
+        <a:latin typeface="+mn-lt"/>
+        <a:ea typeface="+mn-ea"/>
+        <a:cs typeface="+mn-cs"/>
+      </a:defRPr>
+    </a:lvl1pPr>
+    <a:lvl2pPr marL="457200" algn="l" defTabSz="914400" rtl="0" eaLnBrk="1" latinLnBrk="0" hangingPunct="1">
+      <a:defRPr sz="1200" kern="1200">
+        <a:solidFill>
+          <a:schemeClr val="tx1"/>
+        </a:solidFill>
+        <a:latin typeface="+mn-lt"/>
+        <a:ea typeface="+mn-ea"/>
+        <a:cs typeface="+mn-cs"/>
+      </a:defRPr>
+    </a:lvl2pPr>
+    <a:lvl3pPr marL="914400" algn="l" defTabSz="914400" rtl="0" eaLnBrk="1" latinLnBrk="0" hangingPunct="1">
+      <a:defRPr sz="1200" kern="1200">
+        <a:solidFill>
+          <a:schemeClr val="tx1"/>
+        </a:solidFill>
+        <a:latin typeface="+mn-lt"/>
+        <a:ea typeface="+mn-ea"/>
+        <a:cs typeface="+mn-cs"/>
+      </a:defRPr>
+    </a:lvl3pPr>
+    <a:lvl4pPr marL="1371600" algn="l" defTabSz="914400" rtl="0" eaLnBrk="1" latinLnBrk="0" hangingPunct="1">
+      <a:defRPr sz="1200" kern="1200">
+        <a:solidFill>
+          <a:schemeClr val="tx1"/>
+        </a:solidFill>
+        <a:latin typeface="+mn-lt"/>
+        <a:ea typeface="+mn-ea"/>
+        <a:cs typeface="+mn-cs"/>
+      </a:defRPr>
+    </a:lvl4pPr>
+    <a:lvl5pPr marL="1828800" algn="l" defTabSz="914400" rtl="0" eaLnBrk="1" latinLnBrk="0" hangingPunct="1">
+      <a:defRPr sz="1200" kern="1200">
+        <a:solidFill>
+          <a:schemeClr val="tx1"/>
+        </a:solidFill>
+        <a:latin typeface="+mn-lt"/>
+        <a:ea typeface="+mn-ea"/>
+        <a:cs typeface="+mn-cs"/>
+      </a:defRPr>
+    </a:lvl5pPr>
+    <a:lvl6pPr marL="2286000" algn="l" defTabSz="914400" rtl="0" eaLnBrk="1" latinLnBrk="0" hangingPunct="1">
+      <a:defRPr sz="1200" kern="1200">
+        <a:solidFill>
+          <a:schemeClr val="tx1"/>
+        </a:solidFill>
+        <a:latin typeface="+mn-lt"/>
+        <a:ea typeface="+mn-ea"/>
+        <a:cs typeface="+mn-cs"/>
+      </a:defRPr>
+    </a:lvl6pPr>
+    <a:lvl7pPr marL="2743200" algn="l" defTabSz="914400" rtl="0" eaLnBrk="1" latinLnBrk="0" hangingPunct="1">
+      <a:defRPr sz="1200" kern="1200">
+        <a:solidFill>
+          <a:schemeClr val="tx1"/>
+        </a:solidFill>
+        <a:latin typeface="+mn-lt"/>
+        <a:ea typeface="+mn-ea"/>
+        <a:cs typeface="+mn-cs"/>
+      </a:defRPr>
+    </a:lvl7pPr>
+    <a:lvl8pPr marL="3200400" algn="l" defTabSz="914400" rtl="0" eaLnBrk="1" latinLnBrk="0" hangingPunct="1">
+      <a:defRPr sz="1200" kern="1200">
+        <a:solidFill>
+          <a:schemeClr val="tx1"/>
+        </a:solidFill>
+        <a:latin typeface="+mn-lt"/>
+        <a:ea typeface="+mn-ea"/>
+        <a:cs typeface="+mn-cs"/>
+      </a:defRPr>
+    </a:lvl8pPr>
+    <a:lvl9pPr marL="3657600" algn="l" defTabSz="914400" rtl="0" eaLnBrk="1" latinLnBrk="0" hangingPunct="1">
+      <a:defRPr sz="1200" kern="1200">
+        <a:solidFill>
+          <a:schemeClr val="tx1"/>
+        </a:solidFill>
+        <a:latin typeface="+mn-lt"/>
+        <a:ea typeface="+mn-ea"/>
+        <a:cs typeface="+mn-cs"/>
+      </a:defRPr>
+    </a:lvl9pPr>
+  </p:notesStyle>
+</p:notesMaster>
+</file>
+
+<file path=ppt/notesSlides/notesSlide1.xml><?xml version="1.0" encoding="utf-8"?>
+<p:notes xmlns:a="http://schemas.openxmlformats.org/drawingml/2006/main" xmlns:r="http://schemas.openxmlformats.org/officeDocument/2006/relationships" xmlns:p="http://schemas.openxmlformats.org/presentationml/2006/main">
+  <p:cSld>
+    <p:spTree>
+      <p:nvGrpSpPr>
+        <p:cNvPr id="1" name=""/>
+        <p:cNvGrpSpPr/>
+        <p:nvPr/>
+      </p:nvGrpSpPr>
+      <p:grpSpPr>
+        <a:xfrm>
+          <a:off x="0" y="0"/>
+          <a:ext cx="0" cy="0"/>
+          <a:chOff x="0" y="0"/>
+          <a:chExt cx="0" cy="0"/>
+        </a:xfrm>
+      </p:grpSpPr>
+      <p:sp>
+        <p:nvSpPr>
+          <p:cNvPr id="2" name="Slide Image Placeholder 1"/>
+          <p:cNvSpPr>
+            <a:spLocks noGrp="1" noRot="1" noChangeAspect="1"/>
+          </p:cNvSpPr>
+          <p:nvPr>
+            <p:ph type="sldImg"/>
+          </p:nvPr>
+        </p:nvSpPr>
+        <p:spPr/>
+      </p:sp>
+      <p:sp>
+        <p:nvSpPr>
+          <p:cNvPr id="3" name="Notes Placeholder 2"/>
+          <p:cNvSpPr>
+            <a:spLocks noGrp="1"/>
+          </p:cNvSpPr>
+          <p:nvPr>
+            <p:ph type="body" idx="1"/>
+          </p:nvPr>
+        </p:nvSpPr>
+        <p:spPr/>
+        <p:txBody>
+          <a:bodyPr/>
+          <a:lstStyle/>
+          <a:p>
+            <a:endParaRPr lang="en-US" dirty="0"/>
+          </a:p>
+        </p:txBody>
+      </p:sp>
+      <p:sp>
+        <p:nvSpPr>
+          <p:cNvPr id="4" name="Slide Number Placeholder 3"/>
+          <p:cNvSpPr>
+            <a:spLocks noGrp="1"/>
+          </p:cNvSpPr>
+          <p:nvPr>
+            <p:ph type="sldNum" sz="quarter" idx="5"/>
+          </p:nvPr>
+        </p:nvSpPr>
+        <p:spPr/>
+        <p:txBody>
+          <a:bodyPr/>
+          <a:lstStyle/>
+          <a:p>
+            <a:fld id="{5691433B-B784-9D4C-9C60-EBB49EC45309}" type="slidenum">
+              <a:rPr lang="en-US" smtClean="0"/>
+              <a:t>1</a:t>
+            </a:fld>
+            <a:endParaRPr lang="en-US"/>
+          </a:p>
+        </p:txBody>
+      </p:sp>
+    </p:spTree>
+    <p:extLst>
+      <p:ext uri="{BB962C8B-B14F-4D97-AF65-F5344CB8AC3E}">
+        <p14:creationId xmlns:p14="http://schemas.microsoft.com/office/powerpoint/2010/main" val="1374220505"/>
+      </p:ext>
+    </p:extLst>
+  </p:cSld>
+  <p:clrMapOvr>
+    <a:masterClrMapping/>
+  </p:clrMapOvr>
+</p:notes>
 </file>
 
 <file path=ppt/slideLayouts/slideLayout1.xml><?xml version="1.0" encoding="utf-8"?>
@@ -2406,7 +2843,12 @@
             <p:ph type="body" sz="quarter" idx="12"/>
           </p:nvPr>
         </p:nvSpPr>
-        <p:spPr/>
+        <p:spPr>
+          <a:xfrm>
+            <a:off x="21842091" y="2729696"/>
+            <a:ext cx="15599259" cy="2544763"/>
+          </a:xfrm>
+        </p:spPr>
         <p:txBody>
           <a:bodyPr/>
           <a:lstStyle/>
@@ -2501,6 +2943,9 @@
           <a:lstStyle/>
           <a:p>
             <a:pPr algn="ctr">
+              <a:lnSpc>
+                <a:spcPct val="150000"/>
+              </a:lnSpc>
               <a:spcBef>
                 <a:spcPts val="0"/>
               </a:spcBef>
@@ -2519,7 +2964,34 @@
             </a:pPr>
             <a:r>
               <a:rPr lang="en-US" sz="4500" dirty="0"/>
-              <a:t>Calling all bar enthusiasts! Get ready to explore the vibrant bar scene in Stuttgart with our cutting-edge dialog system! </a:t>
+              <a:t>Calling all bar enthusiasts! Get ready to explore the vibrant </a:t>
+            </a:r>
+            <a:r>
+              <a:rPr lang="en-US" sz="4500" b="1" dirty="0"/>
+              <a:t>bar scene in Stuttgart </a:t>
+            </a:r>
+            <a:r>
+              <a:rPr lang="en-US" sz="4500" dirty="0"/>
+              <a:t>with our cutting-edge dialog system! Whether you're looking for a cozy spot to relax, a place with live music, or a budget-friendly option that matches your price range, </a:t>
+            </a:r>
+            <a:r>
+              <a:rPr lang="en-US" sz="4500" dirty="0" err="1"/>
+              <a:t>BarGPT</a:t>
+            </a:r>
+            <a:r>
+              <a:rPr lang="en-US" sz="4500" dirty="0"/>
+              <a:t> is at your service.</a:t>
+            </a:r>
+          </a:p>
+          <a:p>
+            <a:pPr>
+              <a:spcBef>
+                <a:spcPts val="48"/>
+              </a:spcBef>
+            </a:pPr>
+            <a:r>
+              <a:rPr lang="en-US" sz="4500" dirty="0"/>
+              <a:t>Our aim is to provide you with relevant information and personalized recommendations from about 123 amazing bars in Stuttgart, ensuring you have all the details you need to make an informed choice. Additionally, our system also offers a convenient reservation service, allowing you to secure a table effortlessly for you and your friends. Cheers!</a:t>
             </a:r>
           </a:p>
           <a:p>
@@ -2536,10 +3008,23 @@
                 <a:spcPts val="48"/>
               </a:spcBef>
             </a:pPr>
-            <a:r>
-              <a:rPr lang="en-US" sz="4500" dirty="0"/>
-              <a:t>Our aim is to provide you with relevant information and personalized recommendations from about 123 amazing bars in Stuttgart, ensuring you have all the details you need to make an informed choice. Additionally, our system also offers a convenient reservation service, allowing you to secure a table effortlessly for you and your friends. Cheers!</a:t>
-            </a:r>
+            <a:endParaRPr lang="en-US" sz="4500" dirty="0"/>
+          </a:p>
+          <a:p>
+            <a:pPr>
+              <a:spcBef>
+                <a:spcPts val="48"/>
+              </a:spcBef>
+            </a:pPr>
+            <a:endParaRPr lang="en-US" sz="4500" dirty="0"/>
+          </a:p>
+          <a:p>
+            <a:pPr>
+              <a:spcBef>
+                <a:spcPts val="48"/>
+              </a:spcBef>
+            </a:pPr>
+            <a:endParaRPr lang="en-US" sz="4500" dirty="0"/>
           </a:p>
         </p:txBody>
       </p:sp>
@@ -2555,7 +3040,7 @@
         </p:nvSpPr>
         <p:spPr>
           <a:xfrm>
-            <a:off x="2079084" y="13676679"/>
+            <a:off x="2073299" y="14102490"/>
             <a:ext cx="18410208" cy="15028216"/>
           </a:xfrm>
         </p:spPr>
@@ -2628,6 +3113,14 @@
             </a:r>
             <a:r>
               <a:rPr lang="en-US" b="1" dirty="0" err="1"/>
+              <a:t>returnSuggestion</a:t>
+            </a:r>
+            <a:r>
+              <a:rPr lang="en-US" b="1" dirty="0"/>
+              <a:t>,  </a:t>
+            </a:r>
+            <a:r>
+              <a:rPr lang="en-US" b="1" dirty="0" err="1"/>
               <a:t>makereservation</a:t>
             </a:r>
             <a:endParaRPr lang="en-US" b="1" dirty="0"/>
@@ -2669,12 +3162,13 @@
               <a:t>, </a:t>
             </a:r>
             <a:r>
+              <a:rPr lang="en-US" b="1" dirty="0"/>
+              <a:t>suggest, </a:t>
+            </a:r>
+            <a:r>
               <a:rPr lang="en-US" b="1" dirty="0" err="1"/>
               <a:t>makereservation</a:t>
             </a:r>
-            <a:endParaRPr lang="en-US" b="1" dirty="0"/>
-          </a:p>
-          <a:p>
             <a:endParaRPr lang="en-US" b="1" dirty="0"/>
           </a:p>
           <a:p>
@@ -2746,7 +3240,7 @@
           <p:nvPr/>
         </p:nvPicPr>
         <p:blipFill>
-          <a:blip r:embed="rId2"/>
+          <a:blip r:embed="rId3"/>
           <a:stretch>
             <a:fillRect/>
           </a:stretch>
@@ -2775,7 +3269,7 @@
         </p:nvGrpSpPr>
         <p:grpSpPr>
           <a:xfrm>
-            <a:off x="27763097" y="21878815"/>
+            <a:off x="27867728" y="21117619"/>
             <a:ext cx="13806857" cy="4874400"/>
             <a:chOff x="25288207" y="22825843"/>
             <a:chExt cx="13806857" cy="4874400"/>
@@ -2886,7 +3380,7 @@
               <p:nvPr/>
             </p:nvPicPr>
             <p:blipFill>
-              <a:blip r:embed="rId3"/>
+              <a:blip r:embed="rId4"/>
               <a:stretch>
                 <a:fillRect/>
               </a:stretch>
@@ -3053,7 +3547,7 @@
               <p:nvPr/>
             </p:nvPicPr>
             <p:blipFill>
-              <a:blip r:embed="rId4"/>
+              <a:blip r:embed="rId5"/>
               <a:stretch>
                 <a:fillRect/>
               </a:stretch>
@@ -3133,7 +3627,7 @@
             <p:nvPr/>
           </p:nvPicPr>
           <p:blipFill>
-            <a:blip r:embed="rId5"/>
+            <a:blip r:embed="rId6"/>
             <a:stretch>
               <a:fillRect/>
             </a:stretch>
@@ -3163,7 +3657,7 @@
         </p:nvGrpSpPr>
         <p:grpSpPr>
           <a:xfrm>
-            <a:off x="1875206" y="21446018"/>
+            <a:off x="1829140" y="21208301"/>
             <a:ext cx="11684967" cy="5231203"/>
             <a:chOff x="1923343" y="15207127"/>
             <a:chExt cx="11684967" cy="5231203"/>
@@ -3344,7 +3838,7 @@
             <p:nvPr/>
           </p:nvPicPr>
           <p:blipFill>
-            <a:blip r:embed="rId4"/>
+            <a:blip r:embed="rId5"/>
             <a:stretch>
               <a:fillRect/>
             </a:stretch>
@@ -3374,7 +3868,7 @@
             <p:nvPr/>
           </p:nvPicPr>
           <p:blipFill>
-            <a:blip r:embed="rId5"/>
+            <a:blip r:embed="rId6"/>
             <a:stretch>
               <a:fillRect/>
             </a:stretch>
@@ -3404,7 +3898,7 @@
             <p:nvPr/>
           </p:nvPicPr>
           <p:blipFill>
-            <a:blip r:embed="rId3"/>
+            <a:blip r:embed="rId4"/>
             <a:stretch>
               <a:fillRect/>
             </a:stretch>
@@ -3956,7 +4450,7 @@
         </p:nvGrpSpPr>
         <p:grpSpPr>
           <a:xfrm>
-            <a:off x="14264432" y="21327933"/>
+            <a:off x="14221707" y="20959841"/>
             <a:ext cx="12404753" cy="5711113"/>
             <a:chOff x="10324862" y="14964968"/>
             <a:chExt cx="12404753" cy="5711113"/>
@@ -3977,7 +4471,7 @@
             <p:nvPr/>
           </p:nvPicPr>
           <p:blipFill>
-            <a:blip r:embed="rId4"/>
+            <a:blip r:embed="rId5"/>
             <a:stretch>
               <a:fillRect/>
             </a:stretch>
@@ -4007,7 +4501,7 @@
             <p:nvPr/>
           </p:nvPicPr>
           <p:blipFill>
-            <a:blip r:embed="rId5"/>
+            <a:blip r:embed="rId6"/>
             <a:stretch>
               <a:fillRect/>
             </a:stretch>
@@ -4107,7 +4601,7 @@
             <p:nvPr/>
           </p:nvPicPr>
           <p:blipFill>
-            <a:blip r:embed="rId3"/>
+            <a:blip r:embed="rId4"/>
             <a:stretch>
               <a:fillRect/>
             </a:stretch>
@@ -4477,10 +4971,14 @@
             </a:pPr>
             <a:r>
               <a:rPr lang="en-US" dirty="0"/>
-              <a:t>System cannot answer everything, e.g.:</a:t>
-            </a:r>
-          </a:p>
-          <a:p>
+              <a:t>System cannot answer everything</a:t>
+            </a:r>
+          </a:p>
+          <a:p>
+            <a:pPr marL="685800" indent="-685800">
+              <a:buFont typeface="Arial" panose="020B0604020202020204" pitchFamily="34" charset="0"/>
+              <a:buChar char="•"/>
+            </a:pPr>
             <a:endParaRPr lang="en-US" b="1" dirty="0"/>
           </a:p>
           <a:p>
@@ -4554,7 +5052,7 @@
         <p:spPr>
           <a:xfrm>
             <a:off x="669466" y="20259573"/>
-            <a:ext cx="3134335" cy="892552"/>
+            <a:ext cx="9987059" cy="892552"/>
           </a:xfrm>
           <a:prstGeom prst="rect">
             <a:avLst/>
@@ -4672,10 +5170,10 @@
         </p:nvGrpSpPr>
         <p:grpSpPr>
           <a:xfrm>
-            <a:off x="24807075" y="11899627"/>
-            <a:ext cx="11684968" cy="5231203"/>
-            <a:chOff x="1923343" y="15207127"/>
-            <a:chExt cx="11684968" cy="5231203"/>
+            <a:off x="26666919" y="10764803"/>
+            <a:ext cx="13034714" cy="6731509"/>
+            <a:chOff x="1923343" y="13706821"/>
+            <a:chExt cx="13034714" cy="6731509"/>
           </a:xfrm>
         </p:grpSpPr>
         <p:grpSp>
@@ -4692,10 +5190,10 @@
           </p:nvGrpSpPr>
           <p:grpSpPr>
             <a:xfrm>
-              <a:off x="4672858" y="15207127"/>
-              <a:ext cx="8935453" cy="4269510"/>
-              <a:chOff x="5025649" y="16278312"/>
-              <a:chExt cx="8935453" cy="4269510"/>
+              <a:off x="4672858" y="13706821"/>
+              <a:ext cx="10285199" cy="5769816"/>
+              <a:chOff x="5025649" y="14778006"/>
+              <a:chExt cx="10285199" cy="5769816"/>
             </a:xfrm>
           </p:grpSpPr>
           <p:sp>
@@ -4712,8 +5210,8 @@
             </p:nvSpPr>
             <p:spPr>
               <a:xfrm>
-                <a:off x="7525346" y="16278312"/>
-                <a:ext cx="6435756" cy="1923388"/>
+                <a:off x="7525346" y="14778006"/>
+                <a:ext cx="7785502" cy="3312368"/>
               </a:xfrm>
               <a:prstGeom prst="wedgeEllipseCallout">
                 <a:avLst>
@@ -4754,16 +5252,79 @@
               <a:bodyPr rtlCol="0" anchor="ctr"/>
               <a:lstStyle/>
               <a:p>
-                <a:pPr algn="l"/>
                 <a:r>
                   <a:rPr lang="en-GB" sz="2800" b="0" i="0" dirty="0">
                     <a:solidFill>
                       <a:srgbClr val="212529"/>
                     </a:solidFill>
                     <a:effectLst/>
-                    <a:latin typeface="-apple-system"/>
                   </a:rPr>
-                  <a:t>The bar offers the following dining options “Has seating”</a:t>
+                  <a:t>These are some of the bars which match your interests...</a:t>
+                </a:r>
+              </a:p>
+              <a:p>
+                <a:pPr marL="457200" indent="-457200">
+                  <a:buFont typeface="Arial" panose="020B0604020202020204" pitchFamily="34" charset="0"/>
+                  <a:buChar char="•"/>
+                </a:pPr>
+                <a:r>
+                  <a:rPr lang="en-GB" sz="2800" b="0" i="0" dirty="0">
+                    <a:solidFill>
+                      <a:srgbClr val="212529"/>
+                    </a:solidFill>
+                    <a:effectLst/>
+                  </a:rPr>
+                  <a:t>Phoenix Shisha Lounge</a:t>
+                </a:r>
+              </a:p>
+              <a:p>
+                <a:pPr marL="457200" indent="-457200">
+                  <a:buFont typeface="Arial" panose="020B0604020202020204" pitchFamily="34" charset="0"/>
+                  <a:buChar char="•"/>
+                </a:pPr>
+                <a:r>
+                  <a:rPr lang="en-GB" sz="2800" b="0" i="0" dirty="0">
+                    <a:solidFill>
+                      <a:srgbClr val="212529"/>
+                    </a:solidFill>
+                    <a:effectLst/>
+                  </a:rPr>
+                  <a:t>Havana Cafe &amp; Cocktail Stuttgart</a:t>
+                </a:r>
+              </a:p>
+              <a:p>
+                <a:pPr marL="457200" indent="-457200">
+                  <a:buFont typeface="Arial" panose="020B0604020202020204" pitchFamily="34" charset="0"/>
+                  <a:buChar char="•"/>
+                </a:pPr>
+                <a:r>
+                  <a:rPr lang="en-GB" sz="2800" b="0" i="0" dirty="0" err="1">
+                    <a:solidFill>
+                      <a:srgbClr val="212529"/>
+                    </a:solidFill>
+                    <a:effectLst/>
+                  </a:rPr>
+                  <a:t>reBOOTS</a:t>
+                </a:r>
+                <a:endParaRPr lang="en-GB" sz="2800" dirty="0">
+                  <a:solidFill>
+                    <a:srgbClr val="212529"/>
+                  </a:solidFill>
+                </a:endParaRPr>
+              </a:p>
+              <a:p>
+                <a:pPr marL="457200" indent="-457200">
+                  <a:buFont typeface="Arial" panose="020B0604020202020204" pitchFamily="34" charset="0"/>
+                  <a:buChar char="•"/>
+                </a:pPr>
+                <a:r>
+                  <a:rPr lang="en-GB" sz="2800" b="0" i="0" dirty="0">
+                    <a:solidFill>
+                      <a:srgbClr val="212529"/>
+                    </a:solidFill>
+                    <a:effectLst/>
+                  </a:rPr>
+                  <a:t>…</a:t>
                 </a:r>
               </a:p>
             </p:txBody>
@@ -4833,7 +5394,7 @@
             <p:nvPr/>
           </p:nvPicPr>
           <p:blipFill>
-            <a:blip r:embed="rId4"/>
+            <a:blip r:embed="rId5"/>
             <a:stretch>
               <a:fillRect/>
             </a:stretch>
@@ -4863,7 +5424,7 @@
             <p:nvPr/>
           </p:nvPicPr>
           <p:blipFill>
-            <a:blip r:embed="rId5"/>
+            <a:blip r:embed="rId6"/>
             <a:stretch>
               <a:fillRect/>
             </a:stretch>
@@ -4893,7 +5454,7 @@
             <p:nvPr/>
           </p:nvPicPr>
           <p:blipFill>
-            <a:blip r:embed="rId3"/>
+            <a:blip r:embed="rId4"/>
             <a:stretch>
               <a:fillRect/>
             </a:stretch>
@@ -4922,8 +5483,8 @@
           </p:nvSpPr>
           <p:spPr>
             <a:xfrm>
-              <a:off x="2281431" y="15653119"/>
-              <a:ext cx="3037320" cy="1923388"/>
+              <a:off x="1923343" y="15653119"/>
+              <a:ext cx="3395408" cy="1923388"/>
             </a:xfrm>
             <a:prstGeom prst="wedgeEllipseCallout">
               <a:avLst/>
@@ -4961,6 +5522,7 @@
             <a:bodyPr rtlCol="0" anchor="ctr"/>
             <a:lstStyle/>
             <a:p>
+              <a:pPr algn="ctr"/>
               <a:r>
                 <a:rPr lang="en-US" sz="2800" dirty="0">
                   <a:solidFill>
@@ -4969,12 +5531,202 @@
                     </a:schemeClr>
                   </a:solidFill>
                 </a:rPr>
-                <a:t>I am hungry.</a:t>
+                <a:t>Can you suggest me a bar with live music?</a:t>
               </a:r>
             </a:p>
           </p:txBody>
         </p:sp>
       </p:grpSp>
+      <p:sp>
+        <p:nvSpPr>
+          <p:cNvPr id="4" name="TextBox 3">
+            <a:extLst>
+              <a:ext uri="{FF2B5EF4-FFF2-40B4-BE49-F238E27FC236}">
+                <a16:creationId xmlns:a16="http://schemas.microsoft.com/office/drawing/2014/main" id="{78FEFB95-3559-9963-A587-43E4D7F23877}"/>
+              </a:ext>
+            </a:extLst>
+          </p:cNvPr>
+          <p:cNvSpPr txBox="1"/>
+          <p:nvPr/>
+        </p:nvSpPr>
+        <p:spPr>
+          <a:xfrm>
+            <a:off x="21323896" y="11663725"/>
+            <a:ext cx="9987059" cy="892552"/>
+          </a:xfrm>
+          <a:prstGeom prst="rect">
+            <a:avLst/>
+          </a:prstGeom>
+          <a:noFill/>
+        </p:spPr>
+        <p:txBody>
+          <a:bodyPr wrap="square" rtlCol="0">
+            <a:spAutoFit/>
+          </a:bodyPr>
+          <a:lstStyle/>
+          <a:p>
+            <a:pPr marL="0" marR="0" lvl="0" indent="0" algn="l" defTabSz="3986269" rtl="0" eaLnBrk="1" fontAlgn="auto" latinLnBrk="0" hangingPunct="1">
+              <a:lnSpc>
+                <a:spcPct val="100000"/>
+              </a:lnSpc>
+              <a:spcBef>
+                <a:spcPts val="0"/>
+              </a:spcBef>
+              <a:spcAft>
+                <a:spcPts val="0"/>
+              </a:spcAft>
+              <a:buClrTx/>
+              <a:buSzTx/>
+              <a:buFontTx/>
+              <a:buNone/>
+              <a:tabLst/>
+              <a:defRPr/>
+            </a:pPr>
+            <a:r>
+              <a:rPr kumimoji="0" lang="en-US" sz="5200" b="1" i="0" u="none" strike="noStrike" kern="1200" cap="none" spc="0" normalizeH="0" baseline="0" noProof="0" dirty="0">
+                <a:ln>
+                  <a:noFill/>
+                </a:ln>
+                <a:solidFill>
+                  <a:schemeClr val="accent3"/>
+                </a:solidFill>
+                <a:effectLst/>
+                <a:uLnTx/>
+                <a:uFillTx/>
+                <a:latin typeface="Calibri"/>
+                <a:ea typeface="+mn-ea"/>
+                <a:cs typeface="+mn-cs"/>
+              </a:rPr>
+              <a:t>Example:</a:t>
+            </a:r>
+          </a:p>
+        </p:txBody>
+      </p:sp>
+      <p:pic>
+        <p:nvPicPr>
+          <p:cNvPr id="20" name="Picture 19" descr="A couple of people sitting at a table&#10;&#10;Description automatically generated">
+            <a:extLst>
+              <a:ext uri="{FF2B5EF4-FFF2-40B4-BE49-F238E27FC236}">
+                <a16:creationId xmlns:a16="http://schemas.microsoft.com/office/drawing/2014/main" id="{8524DE28-C7AC-7AB8-1EE4-CB61CA0230E4}"/>
+              </a:ext>
+            </a:extLst>
+          </p:cNvPr>
+          <p:cNvPicPr>
+            <a:picLocks noChangeAspect="1"/>
+          </p:cNvPicPr>
+          <p:nvPr/>
+        </p:nvPicPr>
+        <p:blipFill>
+          <a:blip r:embed="rId7"/>
+          <a:stretch>
+            <a:fillRect/>
+          </a:stretch>
+        </p:blipFill>
+        <p:spPr>
+          <a:xfrm>
+            <a:off x="32980665" y="27198905"/>
+            <a:ext cx="2626135" cy="2626135"/>
+          </a:xfrm>
+          <a:prstGeom prst="rect">
+            <a:avLst/>
+          </a:prstGeom>
+        </p:spPr>
+      </p:pic>
+      <p:pic>
+        <p:nvPicPr>
+          <p:cNvPr id="22" name="Picture 21" descr="A black background with a black square&#10;&#10;Description automatically generated">
+            <a:extLst>
+              <a:ext uri="{FF2B5EF4-FFF2-40B4-BE49-F238E27FC236}">
+                <a16:creationId xmlns:a16="http://schemas.microsoft.com/office/drawing/2014/main" id="{A1BD0B25-7EA6-6002-537C-7A8B4B2115E2}"/>
+              </a:ext>
+            </a:extLst>
+          </p:cNvPr>
+          <p:cNvPicPr>
+            <a:picLocks noChangeAspect="1"/>
+          </p:cNvPicPr>
+          <p:nvPr/>
+        </p:nvPicPr>
+        <p:blipFill>
+          <a:blip r:embed="rId8"/>
+          <a:stretch>
+            <a:fillRect/>
+          </a:stretch>
+        </p:blipFill>
+        <p:spPr>
+          <a:xfrm>
+            <a:off x="30197453" y="26906632"/>
+            <a:ext cx="1923388" cy="1923388"/>
+          </a:xfrm>
+          <a:prstGeom prst="rect">
+            <a:avLst/>
+          </a:prstGeom>
+        </p:spPr>
+      </p:pic>
+      <p:sp>
+        <p:nvSpPr>
+          <p:cNvPr id="23" name="TextBox 22">
+            <a:extLst>
+              <a:ext uri="{FF2B5EF4-FFF2-40B4-BE49-F238E27FC236}">
+                <a16:creationId xmlns:a16="http://schemas.microsoft.com/office/drawing/2014/main" id="{6C5087C1-3405-6073-87BE-0592B385D99D}"/>
+              </a:ext>
+            </a:extLst>
+          </p:cNvPr>
+          <p:cNvSpPr txBox="1"/>
+          <p:nvPr/>
+        </p:nvSpPr>
+        <p:spPr>
+          <a:xfrm>
+            <a:off x="25249212" y="27374842"/>
+            <a:ext cx="9987059" cy="892552"/>
+          </a:xfrm>
+          <a:prstGeom prst="rect">
+            <a:avLst/>
+          </a:prstGeom>
+          <a:noFill/>
+        </p:spPr>
+        <p:txBody>
+          <a:bodyPr wrap="square" rtlCol="0">
+            <a:spAutoFit/>
+          </a:bodyPr>
+          <a:lstStyle/>
+          <a:p>
+            <a:pPr marL="0" marR="0" lvl="0" indent="0" algn="l" defTabSz="3986269" rtl="0" eaLnBrk="1" fontAlgn="auto" latinLnBrk="0" hangingPunct="1">
+              <a:lnSpc>
+                <a:spcPct val="100000"/>
+              </a:lnSpc>
+              <a:spcBef>
+                <a:spcPts val="0"/>
+              </a:spcBef>
+              <a:spcAft>
+                <a:spcPts val="0"/>
+              </a:spcAft>
+              <a:buClrTx/>
+              <a:buSzTx/>
+              <a:buFontTx/>
+              <a:buNone/>
+              <a:tabLst/>
+              <a:defRPr/>
+            </a:pPr>
+            <a:r>
+              <a:rPr kumimoji="0" lang="en-US" sz="5200" b="1" i="0" u="none" strike="noStrike" kern="1200" cap="none" spc="0" normalizeH="0" baseline="0" noProof="0" dirty="0">
+                <a:ln>
+                  <a:noFill/>
+                </a:ln>
+                <a:solidFill>
+                  <a:schemeClr val="accent3"/>
+                </a:solidFill>
+                <a:effectLst/>
+                <a:uLnTx/>
+                <a:uFillTx/>
+                <a:latin typeface="Calibri"/>
+                <a:ea typeface="+mn-ea"/>
+                <a:cs typeface="+mn-cs"/>
+              </a:rPr>
+              <a:t>Conclusion:</a:t>
+            </a:r>
+          </a:p>
+        </p:txBody>
+      </p:sp>
     </p:spTree>
     <p:extLst>
       <p:ext uri="{BB962C8B-B14F-4D97-AF65-F5344CB8AC3E}">
@@ -5271,4 +6023,299 @@
   <a:objectDefaults/>
   <a:extraClrSchemeLst/>
 </a:theme>
+</file>
+
+<file path=ppt/theme/theme2.xml><?xml version="1.0" encoding="utf-8"?>
+<a:theme xmlns:a="http://schemas.openxmlformats.org/drawingml/2006/main" name="Office Theme">
+  <a:themeElements>
+    <a:clrScheme name="Office">
+      <a:dk1>
+        <a:sysClr val="windowText" lastClr="000000"/>
+      </a:dk1>
+      <a:lt1>
+        <a:sysClr val="window" lastClr="FFFFFF"/>
+      </a:lt1>
+      <a:dk2>
+        <a:srgbClr val="44546A"/>
+      </a:dk2>
+      <a:lt2>
+        <a:srgbClr val="E7E6E6"/>
+      </a:lt2>
+      <a:accent1>
+        <a:srgbClr val="4472C4"/>
+      </a:accent1>
+      <a:accent2>
+        <a:srgbClr val="ED7D31"/>
+      </a:accent2>
+      <a:accent3>
+        <a:srgbClr val="A5A5A5"/>
+      </a:accent3>
+      <a:accent4>
+        <a:srgbClr val="FFC000"/>
+      </a:accent4>
+      <a:accent5>
+        <a:srgbClr val="5B9BD5"/>
+      </a:accent5>
+      <a:accent6>
+        <a:srgbClr val="70AD47"/>
+      </a:accent6>
+      <a:hlink>
+        <a:srgbClr val="0563C1"/>
+      </a:hlink>
+      <a:folHlink>
+        <a:srgbClr val="954F72"/>
+      </a:folHlink>
+    </a:clrScheme>
+    <a:fontScheme name="Office">
+      <a:majorFont>
+        <a:latin typeface="Calibri Light" panose="020F0302020204030204"/>
+        <a:ea typeface=""/>
+        <a:cs typeface=""/>
+        <a:font script="Jpan" typeface="游ゴシック Light"/>
+        <a:font script="Hang" typeface="맑은 고딕"/>
+        <a:font script="Hans" typeface="等线 Light"/>
+        <a:font script="Hant" typeface="新細明體"/>
+        <a:font script="Arab" typeface="Times New Roman"/>
+        <a:font script="Hebr" typeface="Times New Roman"/>
+        <a:font script="Thai" typeface="Angsana New"/>
+        <a:font script="Ethi" typeface="Nyala"/>
+        <a:font script="Beng" typeface="Vrinda"/>
+        <a:font script="Gujr" typeface="Shruti"/>
+        <a:font script="Khmr" typeface="MoolBoran"/>
+        <a:font script="Knda" typeface="Tunga"/>
+        <a:font script="Guru" typeface="Raavi"/>
+        <a:font script="Cans" typeface="Euphemia"/>
+        <a:font script="Cher" typeface="Plantagenet Cherokee"/>
+        <a:font script="Yiii" typeface="Microsoft Yi Baiti"/>
+        <a:font script="Tibt" typeface="Microsoft Himalaya"/>
+        <a:font script="Thaa" typeface="MV Boli"/>
+        <a:font script="Deva" typeface="Mangal"/>
+        <a:font script="Telu" typeface="Gautami"/>
+        <a:font script="Taml" typeface="Latha"/>
+        <a:font script="Syrc" typeface="Estrangelo Edessa"/>
+        <a:font script="Orya" typeface="Kalinga"/>
+        <a:font script="Mlym" typeface="Kartika"/>
+        <a:font script="Laoo" typeface="DokChampa"/>
+        <a:font script="Sinh" typeface="Iskoola Pota"/>
+        <a:font script="Mong" typeface="Mongolian Baiti"/>
+        <a:font script="Viet" typeface="Times New Roman"/>
+        <a:font script="Uigh" typeface="Microsoft Uighur"/>
+        <a:font script="Geor" typeface="Sylfaen"/>
+        <a:font script="Armn" typeface="Arial"/>
+        <a:font script="Bugi" typeface="Leelawadee UI"/>
+        <a:font script="Bopo" typeface="Microsoft JhengHei"/>
+        <a:font script="Java" typeface="Javanese Text"/>
+        <a:font script="Lisu" typeface="Segoe UI"/>
+        <a:font script="Mymr" typeface="Myanmar Text"/>
+        <a:font script="Nkoo" typeface="Ebrima"/>
+        <a:font script="Olck" typeface="Nirmala UI"/>
+        <a:font script="Osma" typeface="Ebrima"/>
+        <a:font script="Phag" typeface="Phagspa"/>
+        <a:font script="Syrn" typeface="Estrangelo Edessa"/>
+        <a:font script="Syrj" typeface="Estrangelo Edessa"/>
+        <a:font script="Syre" typeface="Estrangelo Edessa"/>
+        <a:font script="Sora" typeface="Nirmala UI"/>
+        <a:font script="Tale" typeface="Microsoft Tai Le"/>
+        <a:font script="Talu" typeface="Microsoft New Tai Lue"/>
+        <a:font script="Tfng" typeface="Ebrima"/>
+      </a:majorFont>
+      <a:minorFont>
+        <a:latin typeface="Calibri" panose="020F0502020204030204"/>
+        <a:ea typeface=""/>
+        <a:cs typeface=""/>
+        <a:font script="Jpan" typeface="游ゴシック"/>
+        <a:font script="Hang" typeface="맑은 고딕"/>
+        <a:font script="Hans" typeface="等线"/>
+        <a:font script="Hant" typeface="新細明體"/>
+        <a:font script="Arab" typeface="Arial"/>
+        <a:font script="Hebr" typeface="Arial"/>
+        <a:font script="Thai" typeface="Cordia New"/>
+        <a:font script="Ethi" typeface="Nyala"/>
+        <a:font script="Beng" typeface="Vrinda"/>
+        <a:font script="Gujr" typeface="Shruti"/>
+        <a:font script="Khmr" typeface="DaunPenh"/>
+        <a:font script="Knda" typeface="Tunga"/>
+        <a:font script="Guru" typeface="Raavi"/>
+        <a:font script="Cans" typeface="Euphemia"/>
+        <a:font script="Cher" typeface="Plantagenet Cherokee"/>
+        <a:font script="Yiii" typeface="Microsoft Yi Baiti"/>
+        <a:font script="Tibt" typeface="Microsoft Himalaya"/>
+        <a:font script="Thaa" typeface="MV Boli"/>
+        <a:font script="Deva" typeface="Mangal"/>
+        <a:font script="Telu" typeface="Gautami"/>
+        <a:font script="Taml" typeface="Latha"/>
+        <a:font script="Syrc" typeface="Estrangelo Edessa"/>
+        <a:font script="Orya" typeface="Kalinga"/>
+        <a:font script="Mlym" typeface="Kartika"/>
+        <a:font script="Laoo" typeface="DokChampa"/>
+        <a:font script="Sinh" typeface="Iskoola Pota"/>
+        <a:font script="Mong" typeface="Mongolian Baiti"/>
+        <a:font script="Viet" typeface="Arial"/>
+        <a:font script="Uigh" typeface="Microsoft Uighur"/>
+        <a:font script="Geor" typeface="Sylfaen"/>
+        <a:font script="Armn" typeface="Arial"/>
+        <a:font script="Bugi" typeface="Leelawadee UI"/>
+        <a:font script="Bopo" typeface="Microsoft JhengHei"/>
+        <a:font script="Java" typeface="Javanese Text"/>
+        <a:font script="Lisu" typeface="Segoe UI"/>
+        <a:font script="Mymr" typeface="Myanmar Text"/>
+        <a:font script="Nkoo" typeface="Ebrima"/>
+        <a:font script="Olck" typeface="Nirmala UI"/>
+        <a:font script="Osma" typeface="Ebrima"/>
+        <a:font script="Phag" typeface="Phagspa"/>
+        <a:font script="Syrn" typeface="Estrangelo Edessa"/>
+        <a:font script="Syrj" typeface="Estrangelo Edessa"/>
+        <a:font script="Syre" typeface="Estrangelo Edessa"/>
+        <a:font script="Sora" typeface="Nirmala UI"/>
+        <a:font script="Tale" typeface="Microsoft Tai Le"/>
+        <a:font script="Talu" typeface="Microsoft New Tai Lue"/>
+        <a:font script="Tfng" typeface="Ebrima"/>
+      </a:minorFont>
+    </a:fontScheme>
+    <a:fmtScheme name="Office">
+      <a:fillStyleLst>
+        <a:solidFill>
+          <a:schemeClr val="phClr"/>
+        </a:solidFill>
+        <a:gradFill rotWithShape="1">
+          <a:gsLst>
+            <a:gs pos="0">
+              <a:schemeClr val="phClr">
+                <a:lumMod val="110000"/>
+                <a:satMod val="105000"/>
+                <a:tint val="67000"/>
+              </a:schemeClr>
+            </a:gs>
+            <a:gs pos="50000">
+              <a:schemeClr val="phClr">
+                <a:lumMod val="105000"/>
+                <a:satMod val="103000"/>
+                <a:tint val="73000"/>
+              </a:schemeClr>
+            </a:gs>
+            <a:gs pos="100000">
+              <a:schemeClr val="phClr">
+                <a:lumMod val="105000"/>
+                <a:satMod val="109000"/>
+                <a:tint val="81000"/>
+              </a:schemeClr>
+            </a:gs>
+          </a:gsLst>
+          <a:lin ang="5400000" scaled="0"/>
+        </a:gradFill>
+        <a:gradFill rotWithShape="1">
+          <a:gsLst>
+            <a:gs pos="0">
+              <a:schemeClr val="phClr">
+                <a:satMod val="103000"/>
+                <a:lumMod val="102000"/>
+                <a:tint val="94000"/>
+              </a:schemeClr>
+            </a:gs>
+            <a:gs pos="50000">
+              <a:schemeClr val="phClr">
+                <a:satMod val="110000"/>
+                <a:lumMod val="100000"/>
+                <a:shade val="100000"/>
+              </a:schemeClr>
+            </a:gs>
+            <a:gs pos="100000">
+              <a:schemeClr val="phClr">
+                <a:lumMod val="99000"/>
+                <a:satMod val="120000"/>
+                <a:shade val="78000"/>
+              </a:schemeClr>
+            </a:gs>
+          </a:gsLst>
+          <a:lin ang="5400000" scaled="0"/>
+        </a:gradFill>
+      </a:fillStyleLst>
+      <a:lnStyleLst>
+        <a:ln w="6350" cap="flat" cmpd="sng" algn="ctr">
+          <a:solidFill>
+            <a:schemeClr val="phClr"/>
+          </a:solidFill>
+          <a:prstDash val="solid"/>
+          <a:miter lim="800000"/>
+        </a:ln>
+        <a:ln w="12700" cap="flat" cmpd="sng" algn="ctr">
+          <a:solidFill>
+            <a:schemeClr val="phClr"/>
+          </a:solidFill>
+          <a:prstDash val="solid"/>
+          <a:miter lim="800000"/>
+        </a:ln>
+        <a:ln w="19050" cap="flat" cmpd="sng" algn="ctr">
+          <a:solidFill>
+            <a:schemeClr val="phClr"/>
+          </a:solidFill>
+          <a:prstDash val="solid"/>
+          <a:miter lim="800000"/>
+        </a:ln>
+      </a:lnStyleLst>
+      <a:effectStyleLst>
+        <a:effectStyle>
+          <a:effectLst/>
+        </a:effectStyle>
+        <a:effectStyle>
+          <a:effectLst/>
+        </a:effectStyle>
+        <a:effectStyle>
+          <a:effectLst>
+            <a:outerShdw blurRad="57150" dist="19050" dir="5400000" algn="ctr" rotWithShape="0">
+              <a:srgbClr val="000000">
+                <a:alpha val="63000"/>
+              </a:srgbClr>
+            </a:outerShdw>
+          </a:effectLst>
+        </a:effectStyle>
+      </a:effectStyleLst>
+      <a:bgFillStyleLst>
+        <a:solidFill>
+          <a:schemeClr val="phClr"/>
+        </a:solidFill>
+        <a:solidFill>
+          <a:schemeClr val="phClr">
+            <a:tint val="95000"/>
+            <a:satMod val="170000"/>
+          </a:schemeClr>
+        </a:solidFill>
+        <a:gradFill rotWithShape="1">
+          <a:gsLst>
+            <a:gs pos="0">
+              <a:schemeClr val="phClr">
+                <a:tint val="93000"/>
+                <a:satMod val="150000"/>
+                <a:shade val="98000"/>
+                <a:lumMod val="102000"/>
+              </a:schemeClr>
+            </a:gs>
+            <a:gs pos="50000">
+              <a:schemeClr val="phClr">
+                <a:tint val="98000"/>
+                <a:satMod val="130000"/>
+                <a:shade val="90000"/>
+                <a:lumMod val="103000"/>
+              </a:schemeClr>
+            </a:gs>
+            <a:gs pos="100000">
+              <a:schemeClr val="phClr">
+                <a:shade val="63000"/>
+                <a:satMod val="120000"/>
+              </a:schemeClr>
+            </a:gs>
+          </a:gsLst>
+          <a:lin ang="5400000" scaled="0"/>
+        </a:gradFill>
+      </a:bgFillStyleLst>
+    </a:fmtScheme>
+  </a:themeElements>
+  <a:objectDefaults/>
+  <a:extraClrSchemeLst/>
+  <a:extLst>
+    <a:ext uri="{05A4C25C-085E-4340-85A3-A5531E510DB2}">
+      <thm15:themeFamily xmlns:thm15="http://schemas.microsoft.com/office/thememl/2012/main" name="Office Theme" id="{62F939B6-93AF-4DB8-9C6B-D6C7DFDC589F}" vid="{4A3C46E8-61CC-4603-A589-7422A47A8E4A}"/>
+    </a:ext>
+  </a:extLst>
+</a:theme>
 </file>
--- a/Bar_GPT/poster.pptx
+++ b/Bar_GPT/poster.pptx
@@ -213,7 +213,7 @@
           <a:p>
             <a:fld id="{5A72C2B9-F223-D740-BE68-ED5F656D5CCD}" type="datetimeFigureOut">
               <a:rPr lang="en-US" smtClean="0"/>
-              <a:t>7/26/23</a:t>
+              <a:t>7/27/23</a:t>
             </a:fld>
             <a:endParaRPr lang="en-US"/>
           </a:p>
@@ -2855,13 +2855,8 @@
           <a:p>
             <a:r>
               <a:rPr lang="de-DE" sz="3600" dirty="0"/>
-              <a:t>Karan </a:t>
-            </a:r>
-            <a:r>
-              <a:rPr lang="de-DE" sz="3600" dirty="0" err="1"/>
-              <a:t>Bhanusheli</a:t>
-            </a:r>
-            <a:endParaRPr lang="de-DE" sz="3600" dirty="0"/>
+              <a:t>Karan Bhanushali</a:t>
+            </a:r>
           </a:p>
           <a:p>
             <a:r>
